--- a/Lab1.pptx
+++ b/Lab1.pptx
@@ -5,7 +5,7 @@
     <p:sldMasterId id="2147483648" r:id="rId4"/>
   </p:sldMasterIdLst>
   <p:notesMasterIdLst>
-    <p:notesMasterId r:id="rId18"/>
+    <p:notesMasterId r:id="rId17"/>
   </p:notesMasterIdLst>
   <p:sldIdLst>
     <p:sldId id="283" r:id="rId5"/>
@@ -19,8 +19,7 @@
     <p:sldId id="302" r:id="rId13"/>
     <p:sldId id="303" r:id="rId14"/>
     <p:sldId id="304" r:id="rId15"/>
-    <p:sldId id="305" r:id="rId16"/>
-    <p:sldId id="306" r:id="rId17"/>
+    <p:sldId id="306" r:id="rId16"/>
   </p:sldIdLst>
   <p:sldSz cx="12192000" cy="6858000"/>
   <p:notesSz cx="6858000" cy="9144000"/>
@@ -226,7 +225,7 @@
           <a:p>
             <a:fld id="{F8A26648-F114-4402-B049-AA57EA7F2020}" type="datetimeFigureOut">
               <a:rPr lang="en-US" smtClean="0"/>
-              <a:t>1/20/2025</a:t>
+              <a:t>1/22/2025</a:t>
             </a:fld>
             <a:endParaRPr lang="en-US"/>
           </a:p>
@@ -14644,179 +14643,6 @@
       </p:grpSpPr>
       <p:sp>
         <p:nvSpPr>
-          <p:cNvPr id="2" name="Title 1">
-            <a:extLst>
-              <a:ext uri="{FF2B5EF4-FFF2-40B4-BE49-F238E27FC236}">
-                <a16:creationId xmlns:a16="http://schemas.microsoft.com/office/drawing/2014/main" id="{69DBF308-FBC0-3D04-EB50-7D2058F8D40F}"/>
-              </a:ext>
-            </a:extLst>
-          </p:cNvPr>
-          <p:cNvSpPr>
-            <a:spLocks noGrp="1"/>
-          </p:cNvSpPr>
-          <p:nvPr>
-            <p:ph type="title"/>
-          </p:nvPr>
-        </p:nvSpPr>
-        <p:spPr/>
-        <p:txBody>
-          <a:bodyPr/>
-          <a:lstStyle/>
-          <a:p>
-            <a:r>
-              <a:rPr lang="en-CA" dirty="0"/>
-              <a:t>Video Link</a:t>
-            </a:r>
-          </a:p>
-        </p:txBody>
-      </p:sp>
-      <p:sp>
-        <p:nvSpPr>
-          <p:cNvPr id="3" name="Content Placeholder 2">
-            <a:extLst>
-              <a:ext uri="{FF2B5EF4-FFF2-40B4-BE49-F238E27FC236}">
-                <a16:creationId xmlns:a16="http://schemas.microsoft.com/office/drawing/2014/main" id="{6BBF21C8-958C-F327-FB91-34828E488428}"/>
-              </a:ext>
-            </a:extLst>
-          </p:cNvPr>
-          <p:cNvSpPr>
-            <a:spLocks noGrp="1"/>
-          </p:cNvSpPr>
-          <p:nvPr>
-            <p:ph idx="1"/>
-          </p:nvPr>
-        </p:nvSpPr>
-        <p:spPr/>
-        <p:txBody>
-          <a:bodyPr/>
-          <a:lstStyle/>
-          <a:p>
-            <a:r>
-              <a:rPr lang="en-CA" dirty="0"/>
-              <a:t>https://youtu.be/XyvJ_k16Xjw</a:t>
-            </a:r>
-          </a:p>
-        </p:txBody>
-      </p:sp>
-      <p:sp>
-        <p:nvSpPr>
-          <p:cNvPr id="4" name="Slide Number Placeholder 3">
-            <a:extLst>
-              <a:ext uri="{FF2B5EF4-FFF2-40B4-BE49-F238E27FC236}">
-                <a16:creationId xmlns:a16="http://schemas.microsoft.com/office/drawing/2014/main" id="{39157C21-766F-1509-B6A1-ECEF1FFD87B2}"/>
-              </a:ext>
-            </a:extLst>
-          </p:cNvPr>
-          <p:cNvSpPr>
-            <a:spLocks noGrp="1"/>
-          </p:cNvSpPr>
-          <p:nvPr>
-            <p:ph type="sldNum" sz="quarter" idx="12"/>
-          </p:nvPr>
-        </p:nvSpPr>
-        <p:spPr/>
-        <p:txBody>
-          <a:bodyPr/>
-          <a:lstStyle/>
-          <a:p>
-            <a:fld id="{84D792B7-0397-C047-AE12-1A03F7E3DC83}" type="slidenum">
-              <a:rPr lang="en-US" smtClean="0"/>
-              <a:t>12</a:t>
-            </a:fld>
-            <a:endParaRPr lang="en-US" dirty="0"/>
-          </a:p>
-        </p:txBody>
-      </p:sp>
-      <p:sp>
-        <p:nvSpPr>
-          <p:cNvPr id="5" name="Footer Placeholder 4">
-            <a:extLst>
-              <a:ext uri="{FF2B5EF4-FFF2-40B4-BE49-F238E27FC236}">
-                <a16:creationId xmlns:a16="http://schemas.microsoft.com/office/drawing/2014/main" id="{77CA422C-C527-EA1D-2C12-97E985EB8DAA}"/>
-              </a:ext>
-            </a:extLst>
-          </p:cNvPr>
-          <p:cNvSpPr>
-            <a:spLocks noGrp="1"/>
-          </p:cNvSpPr>
-          <p:nvPr>
-            <p:ph type="ftr" sz="quarter" idx="11"/>
-          </p:nvPr>
-        </p:nvSpPr>
-        <p:spPr/>
-        <p:txBody>
-          <a:bodyPr/>
-          <a:lstStyle/>
-          <a:p>
-            <a:r>
-              <a:rPr lang="en-US"/>
-              <a:t>presentation title</a:t>
-            </a:r>
-            <a:endParaRPr lang="en-US" dirty="0"/>
-          </a:p>
-        </p:txBody>
-      </p:sp>
-      <p:sp>
-        <p:nvSpPr>
-          <p:cNvPr id="6" name="Date Placeholder 5">
-            <a:extLst>
-              <a:ext uri="{FF2B5EF4-FFF2-40B4-BE49-F238E27FC236}">
-                <a16:creationId xmlns:a16="http://schemas.microsoft.com/office/drawing/2014/main" id="{8573C007-F838-CC6F-BFA4-EF6B7052C96F}"/>
-              </a:ext>
-            </a:extLst>
-          </p:cNvPr>
-          <p:cNvSpPr>
-            <a:spLocks noGrp="1"/>
-          </p:cNvSpPr>
-          <p:nvPr>
-            <p:ph type="dt" sz="half" idx="10"/>
-          </p:nvPr>
-        </p:nvSpPr>
-        <p:spPr/>
-        <p:txBody>
-          <a:bodyPr/>
-          <a:lstStyle/>
-          <a:p>
-            <a:r>
-              <a:rPr lang="en-US"/>
-              <a:t>20XX</a:t>
-            </a:r>
-            <a:endParaRPr lang="en-US" dirty="0"/>
-          </a:p>
-        </p:txBody>
-      </p:sp>
-    </p:spTree>
-    <p:extLst>
-      <p:ext uri="{BB962C8B-B14F-4D97-AF65-F5344CB8AC3E}">
-        <p14:creationId xmlns:p14="http://schemas.microsoft.com/office/powerpoint/2010/main" val="2749219240"/>
-      </p:ext>
-    </p:extLst>
-  </p:cSld>
-  <p:clrMapOvr>
-    <a:masterClrMapping/>
-  </p:clrMapOvr>
-</p:sld>
-</file>
-
-<file path=ppt/slides/slide13.xml><?xml version="1.0" encoding="utf-8"?>
-<p:sld xmlns:a="http://schemas.openxmlformats.org/drawingml/2006/main" xmlns:r="http://schemas.openxmlformats.org/officeDocument/2006/relationships" xmlns:p="http://schemas.openxmlformats.org/presentationml/2006/main">
-  <p:cSld>
-    <p:spTree>
-      <p:nvGrpSpPr>
-        <p:cNvPr id="1" name=""/>
-        <p:cNvGrpSpPr/>
-        <p:nvPr/>
-      </p:nvGrpSpPr>
-      <p:grpSpPr>
-        <a:xfrm>
-          <a:off x="0" y="0"/>
-          <a:ext cx="0" cy="0"/>
-          <a:chOff x="0" y="0"/>
-          <a:chExt cx="0" cy="0"/>
-        </a:xfrm>
-      </p:grpSpPr>
-      <p:sp>
-        <p:nvSpPr>
           <p:cNvPr id="3" name="Content Placeholder 2">
             <a:extLst>
               <a:ext uri="{FF2B5EF4-FFF2-40B4-BE49-F238E27FC236}">
@@ -14868,7 +14694,7 @@
             <a:fld id="{84D792B7-0397-C047-AE12-1A03F7E3DC83}" type="slidenum">
               <a:rPr lang="en-US" smtClean="0"/>
               <a:pPr/>
-              <a:t>13</a:t>
+              <a:t>12</a:t>
             </a:fld>
             <a:endParaRPr lang="en-US" dirty="0"/>
           </a:p>
@@ -17990,6 +17816,15 @@
 </file>
 
 <file path=customXml/item1.xml><?xml version="1.0" encoding="utf-8"?>
+<?mso-contentType ?>
+<FormTemplates xmlns="http://schemas.microsoft.com/sharepoint/v3/contenttype/forms">
+  <Display>DocumentLibraryForm</Display>
+  <Edit>DocumentLibraryForm</Edit>
+  <New>DocumentLibraryForm</New>
+</FormTemplates>
+</file>
+
+<file path=customXml/item2.xml><?xml version="1.0" encoding="utf-8"?>
 <ct:contentTypeSchema xmlns:ct="http://schemas.microsoft.com/office/2006/metadata/contentType" xmlns:ma="http://schemas.microsoft.com/office/2006/metadata/properties/metaAttributes" ct:_="" ma:_="" ma:contentTypeName="Document" ma:contentTypeID="0x01010079F111ED35F8CC479449609E8A0923A6" ma:contentTypeVersion="25" ma:contentTypeDescription="Create a new document." ma:contentTypeScope="" ma:versionID="e02306daf00165b375dc6a58966960be">
   <xsd:schema xmlns:xsd="http://www.w3.org/2001/XMLSchema" xmlns:xs="http://www.w3.org/2001/XMLSchema" xmlns:p="http://schemas.microsoft.com/office/2006/metadata/properties" xmlns:ns1="http://schemas.microsoft.com/sharepoint/v3" xmlns:ns2="71af3243-3dd4-4a8d-8c0d-dd76da1f02a5" xmlns:ns3="16c05727-aa75-4e4a-9b5f-8a80a1165891" xmlns:ns4="230e9df3-be65-4c73-a93b-d1236ebd677e" targetNamespace="http://schemas.microsoft.com/office/2006/metadata/properties" ma:root="true" ma:fieldsID="df88fb76bf5f555224557953949c1ec9" ns1:_="" ns2:_="" ns3:_="" ns4:_="">
     <xsd:import namespace="http://schemas.microsoft.com/sharepoint/v3"/>
@@ -18283,15 +18118,6 @@
 </ct:contentTypeSchema>
 </file>
 
-<file path=customXml/item2.xml><?xml version="1.0" encoding="utf-8"?>
-<?mso-contentType ?>
-<FormTemplates xmlns="http://schemas.microsoft.com/sharepoint/v3/contenttype/forms">
-  <Display>DocumentLibraryForm</Display>
-  <Edit>DocumentLibraryForm</Edit>
-  <New>DocumentLibraryForm</New>
-</FormTemplates>
-</file>
-
 <file path=customXml/item3.xml><?xml version="1.0" encoding="utf-8"?>
 <p:properties xmlns:p="http://schemas.microsoft.com/office/2006/metadata/properties" xmlns:xsi="http://www.w3.org/2001/XMLSchema-instance" xmlns:pc="http://schemas.microsoft.com/office/infopath/2007/PartnerControls">
   <documentManagement>
@@ -18313,6 +18139,14 @@
 </file>
 
 <file path=customXml/itemProps1.xml><?xml version="1.0" encoding="utf-8"?>
+<ds:datastoreItem xmlns:ds="http://schemas.openxmlformats.org/officeDocument/2006/customXml" ds:itemID="{CBB8FCA9-2C7D-45A4-87C8-02C272E9F4DD}">
+  <ds:schemaRefs>
+    <ds:schemaRef ds:uri="http://schemas.microsoft.com/sharepoint/v3/contenttype/forms"/>
+  </ds:schemaRefs>
+</ds:datastoreItem>
+</file>
+
+<file path=customXml/itemProps2.xml><?xml version="1.0" encoding="utf-8"?>
 <ds:datastoreItem xmlns:ds="http://schemas.openxmlformats.org/officeDocument/2006/customXml" ds:itemID="{9C741A42-9646-4B63-A6BC-7DA2EE5F87DC}">
   <ds:schemaRefs>
     <ds:schemaRef ds:uri="http://schemas.microsoft.com/office/2006/metadata/contentType"/>
@@ -18333,14 +18167,6 @@
 </ds:datastoreItem>
 </file>
 
-<file path=customXml/itemProps2.xml><?xml version="1.0" encoding="utf-8"?>
-<ds:datastoreItem xmlns:ds="http://schemas.openxmlformats.org/officeDocument/2006/customXml" ds:itemID="{CBB8FCA9-2C7D-45A4-87C8-02C272E9F4DD}">
-  <ds:schemaRefs>
-    <ds:schemaRef ds:uri="http://schemas.microsoft.com/sharepoint/v3/contenttype/forms"/>
-  </ds:schemaRefs>
-</ds:datastoreItem>
-</file>
-
 <file path=customXml/itemProps3.xml><?xml version="1.0" encoding="utf-8"?>
 <ds:datastoreItem xmlns:ds="http://schemas.openxmlformats.org/officeDocument/2006/customXml" ds:itemID="{339B373E-6FDE-4773-A0C6-CDA9846E30C9}">
   <ds:schemaRefs>
